--- a/HW_1_Programming_Set/HW_1_Programming/HW1_introduction.pptx
+++ b/HW_1_Programming_Set/HW_1_Programming/HW1_introduction.pptx
@@ -5,7 +5,7 @@
     <p:sldMasterId id="2147483648" r:id="rId1"/>
   </p:sldMasterIdLst>
   <p:notesMasterIdLst>
-    <p:notesMasterId r:id="rId8"/>
+    <p:notesMasterId r:id="rId9"/>
   </p:notesMasterIdLst>
   <p:sldIdLst>
     <p:sldId id="823" r:id="rId2"/>
@@ -14,6 +14,7 @@
     <p:sldId id="357" r:id="rId5"/>
     <p:sldId id="360" r:id="rId6"/>
     <p:sldId id="824" r:id="rId7"/>
+    <p:sldId id="825" r:id="rId8"/>
   </p:sldIdLst>
   <p:sldSz cx="12192000" cy="6858000"/>
   <p:notesSz cx="6858000" cy="9144000"/>
@@ -3093,6 +3094,99 @@
     <p:extLst>
       <p:ext uri="{BB962C8B-B14F-4D97-AF65-F5344CB8AC3E}">
         <p14:creationId xmlns:p14="http://schemas.microsoft.com/office/powerpoint/2010/main" val="200399839"/>
+      </p:ext>
+    </p:extLst>
+  </p:cSld>
+  <p:clrMapOvr>
+    <a:masterClrMapping/>
+  </p:clrMapOvr>
+</p:sld>
+</file>
+
+<file path=ppt/slides/slide7.xml><?xml version="1.0" encoding="utf-8"?>
+<p:sld xmlns:a="http://schemas.openxmlformats.org/drawingml/2006/main" xmlns:r="http://schemas.openxmlformats.org/officeDocument/2006/relationships" xmlns:p="http://schemas.openxmlformats.org/presentationml/2006/main">
+  <p:cSld>
+    <p:spTree>
+      <p:nvGrpSpPr>
+        <p:cNvPr id="1" name=""/>
+        <p:cNvGrpSpPr/>
+        <p:nvPr/>
+      </p:nvGrpSpPr>
+      <p:grpSpPr>
+        <a:xfrm>
+          <a:off x="0" y="0"/>
+          <a:ext cx="0" cy="0"/>
+          <a:chOff x="0" y="0"/>
+          <a:chExt cx="0" cy="0"/>
+        </a:xfrm>
+      </p:grpSpPr>
+      <p:sp>
+        <p:nvSpPr>
+          <p:cNvPr id="2" name="Title 1">
+            <a:extLst>
+              <a:ext uri="{FF2B5EF4-FFF2-40B4-BE49-F238E27FC236}">
+                <a16:creationId xmlns:a16="http://schemas.microsoft.com/office/drawing/2014/main" id="{68ADA589-7A9D-440D-96E8-53AE4B7B711A}"/>
+              </a:ext>
+            </a:extLst>
+          </p:cNvPr>
+          <p:cNvSpPr>
+            <a:spLocks noGrp="1"/>
+          </p:cNvSpPr>
+          <p:nvPr>
+            <p:ph type="title"/>
+          </p:nvPr>
+        </p:nvSpPr>
+        <p:spPr/>
+        <p:txBody>
+          <a:bodyPr/>
+          <a:lstStyle/>
+          <a:p>
+            <a:r>
+              <a:rPr lang="en-US" dirty="0"/>
+              <a:t>An example template (no need to </a:t>
+            </a:r>
+            <a:r>
+              <a:rPr lang="en-US"/>
+              <a:t>follow this!)</a:t>
+            </a:r>
+            <a:endParaRPr lang="en-US" dirty="0"/>
+          </a:p>
+        </p:txBody>
+      </p:sp>
+      <p:pic>
+        <p:nvPicPr>
+          <p:cNvPr id="4" name="Picture 3">
+            <a:extLst>
+              <a:ext uri="{FF2B5EF4-FFF2-40B4-BE49-F238E27FC236}">
+                <a16:creationId xmlns:a16="http://schemas.microsoft.com/office/drawing/2014/main" id="{FABEC0ED-A0EC-4AB2-8874-D201A46B3EAB}"/>
+              </a:ext>
+            </a:extLst>
+          </p:cNvPr>
+          <p:cNvPicPr>
+            <a:picLocks noChangeAspect="1"/>
+          </p:cNvPicPr>
+          <p:nvPr/>
+        </p:nvPicPr>
+        <p:blipFill>
+          <a:blip r:embed="rId2"/>
+          <a:stretch>
+            <a:fillRect/>
+          </a:stretch>
+        </p:blipFill>
+        <p:spPr>
+          <a:xfrm>
+            <a:off x="1680311" y="1414770"/>
+            <a:ext cx="8511439" cy="5443230"/>
+          </a:xfrm>
+          <a:prstGeom prst="rect">
+            <a:avLst/>
+          </a:prstGeom>
+        </p:spPr>
+      </p:pic>
+    </p:spTree>
+    <p:extLst>
+      <p:ext uri="{BB962C8B-B14F-4D97-AF65-F5344CB8AC3E}">
+        <p14:creationId xmlns:p14="http://schemas.microsoft.com/office/powerpoint/2010/main" val="2602968463"/>
       </p:ext>
     </p:extLst>
   </p:cSld>

--- a/HW_1_Programming_Set/HW_1_Programming/HW1_introduction.pptx
+++ b/HW_1_Programming_Set/HW_1_Programming/HW1_introduction.pptx
@@ -203,7 +203,7 @@
           <a:p>
             <a:fld id="{BC2548D5-4726-F949-A3BA-C2248ECBAC55}" type="datetimeFigureOut">
               <a:rPr lang="en-US" smtClean="0"/>
-              <a:t>9/5/2021</a:t>
+              <a:t>9/7/2021</a:t>
             </a:fld>
             <a:endParaRPr lang="en-US"/>
           </a:p>
@@ -2172,7 +2172,7 @@
           <a:p>
             <a:r>
               <a:rPr lang="en-US" dirty="0"/>
-              <a:t>Please note that this is NOT a programming course. Thus, the TA and I are not to help step-by-step debug your code (e.g., syntax or semantic errors). We may provide suggestions for how to get familiar with Python and help point out which part of your code might go wrong, but it is your job to implement the search algorithms, and the implementation itself involves debugging. It is important that you first go through the slides to understand the concepts of the search algorithms and the graph search before implementation.</a:t>
+              <a:t>Please note that this is NOT a programming course. Thus, the TA and I are not to help step-by-step debug your code (e.g., syntax or semantic errors). We may provide suggestions for how to get familiar with Python and help point out which part of your code might go wrong, but it is your job to implement the search algorithms, and the implementation itself involves debugging. It is important that you first go through the lecture slides or suggested reading (on the website) to understand the concepts of the search algorithms and the graph search before implementation.</a:t>
             </a:r>
           </a:p>
         </p:txBody>
@@ -2420,9 +2420,16 @@
             <p:ph idx="1"/>
           </p:nvPr>
         </p:nvSpPr>
-        <p:spPr/>
+        <p:spPr>
+          <a:xfrm>
+            <a:off x="294640" y="1612906"/>
+            <a:ext cx="11724640" cy="5245094"/>
+          </a:xfrm>
+        </p:spPr>
         <p:txBody>
-          <a:bodyPr/>
+          <a:bodyPr>
+            <a:normAutofit/>
+          </a:bodyPr>
           <a:lstStyle/>
           <a:p>
             <a:r>
@@ -2458,6 +2465,35 @@
             <a:r>
               <a:rPr lang="en-US" dirty="0"/>
               <a:t>Successor functions: with actions, costs, and next states</a:t>
+            </a:r>
+          </a:p>
+          <a:p>
+            <a:pPr lvl="1"/>
+            <a:endParaRPr lang="en-US" dirty="0"/>
+          </a:p>
+          <a:p>
+            <a:r>
+              <a:rPr lang="en-US" dirty="0"/>
+              <a:t>What you need to return:</a:t>
+            </a:r>
+          </a:p>
+          <a:p>
+            <a:pPr lvl="1"/>
+            <a:r>
+              <a:rPr lang="en-US" dirty="0"/>
+              <a:t>A </a:t>
+            </a:r>
+            <a:r>
+              <a:rPr lang="en-US" dirty="0">
+                <a:solidFill>
+                  <a:srgbClr val="C00000"/>
+                </a:solidFill>
+              </a:rPr>
+              <a:t>list</a:t>
+            </a:r>
+            <a:r>
+              <a:rPr lang="en-US" dirty="0"/>
+              <a:t> of actions!</a:t>
             </a:r>
           </a:p>
           <a:p>
@@ -2600,6 +2636,71 @@
           </a:graphicData>
         </a:graphic>
       </p:graphicFrame>
+      <p:pic>
+        <p:nvPicPr>
+          <p:cNvPr id="4" name="Picture 3">
+            <a:extLst>
+              <a:ext uri="{FF2B5EF4-FFF2-40B4-BE49-F238E27FC236}">
+                <a16:creationId xmlns:a16="http://schemas.microsoft.com/office/drawing/2014/main" id="{292F690A-ABFE-451D-9DF3-12F98DC3B8EB}"/>
+              </a:ext>
+            </a:extLst>
+          </p:cNvPr>
+          <p:cNvPicPr>
+            <a:picLocks noChangeAspect="1"/>
+          </p:cNvPicPr>
+          <p:nvPr/>
+        </p:nvPicPr>
+        <p:blipFill>
+          <a:blip r:embed="rId2"/>
+          <a:stretch>
+            <a:fillRect/>
+          </a:stretch>
+        </p:blipFill>
+        <p:spPr>
+          <a:xfrm>
+            <a:off x="4697501" y="5179807"/>
+            <a:ext cx="1508688" cy="1521675"/>
+          </a:xfrm>
+          <a:prstGeom prst="rect">
+            <a:avLst/>
+          </a:prstGeom>
+        </p:spPr>
+      </p:pic>
+      <p:sp>
+        <p:nvSpPr>
+          <p:cNvPr id="28" name="TextBox 27">
+            <a:extLst>
+              <a:ext uri="{FF2B5EF4-FFF2-40B4-BE49-F238E27FC236}">
+                <a16:creationId xmlns:a16="http://schemas.microsoft.com/office/drawing/2014/main" id="{02EF2E24-3126-4CF5-BEBC-AFA5EDFCE9D4}"/>
+              </a:ext>
+            </a:extLst>
+          </p:cNvPr>
+          <p:cNvSpPr txBox="1"/>
+          <p:nvPr/>
+        </p:nvSpPr>
+        <p:spPr>
+          <a:xfrm>
+            <a:off x="6626711" y="5798372"/>
+            <a:ext cx="5491778" cy="369332"/>
+          </a:xfrm>
+          <a:prstGeom prst="rect">
+            <a:avLst/>
+          </a:prstGeom>
+          <a:noFill/>
+        </p:spPr>
+        <p:txBody>
+          <a:bodyPr wrap="square" rtlCol="0">
+            <a:spAutoFit/>
+          </a:bodyPr>
+          <a:lstStyle/>
+          <a:p>
+            <a:r>
+              <a:rPr lang="en-US" dirty="0"/>
+              <a:t>Example: [“go north-east”, “go south-east”, “go-south”]</a:t>
+            </a:r>
+          </a:p>
+        </p:txBody>
+      </p:sp>
     </p:spTree>
     <p:extLst>
       <p:ext uri="{BB962C8B-B14F-4D97-AF65-F5344CB8AC3E}">
@@ -2754,6 +2855,68 @@
                                   </p:childTnLst>
                                 </p:cTn>
                               </p:par>
+                              <p:par>
+                                <p:cTn id="13" presetID="1" presetClass="entr" presetSubtype="0" fill="hold" nodeType="withEffect">
+                                  <p:stCondLst>
+                                    <p:cond delay="0"/>
+                                  </p:stCondLst>
+                                  <p:childTnLst>
+                                    <p:set>
+                                      <p:cBhvr>
+                                        <p:cTn id="14" dur="1" fill="hold">
+                                          <p:stCondLst>
+                                            <p:cond delay="0"/>
+                                          </p:stCondLst>
+                                        </p:cTn>
+                                        <p:tgtEl>
+                                          <p:spTgt spid="3">
+                                            <p:txEl>
+                                              <p:pRg st="7" end="7"/>
+                                            </p:txEl>
+                                          </p:spTgt>
+                                        </p:tgtEl>
+                                        <p:attrNameLst>
+                                          <p:attrName>style.visibility</p:attrName>
+                                        </p:attrNameLst>
+                                      </p:cBhvr>
+                                      <p:to>
+                                        <p:strVal val="visible"/>
+                                      </p:to>
+                                    </p:set>
+                                  </p:childTnLst>
+                                </p:cTn>
+                              </p:par>
+                              <p:par>
+                                <p:cTn id="15" presetID="1" presetClass="entr" presetSubtype="0" fill="hold" nodeType="withEffect">
+                                  <p:stCondLst>
+                                    <p:cond delay="0"/>
+                                  </p:stCondLst>
+                                  <p:childTnLst>
+                                    <p:set>
+                                      <p:cBhvr>
+                                        <p:cTn id="16" dur="1" fill="hold">
+                                          <p:stCondLst>
+                                            <p:cond delay="0"/>
+                                          </p:stCondLst>
+                                        </p:cTn>
+                                        <p:tgtEl>
+                                          <p:spTgt spid="3">
+                                            <p:txEl>
+                                              <p:pRg st="8" end="8"/>
+                                            </p:txEl>
+                                          </p:spTgt>
+                                        </p:tgtEl>
+                                        <p:attrNameLst>
+                                          <p:attrName>style.visibility</p:attrName>
+                                        </p:attrNameLst>
+                                      </p:cBhvr>
+                                      <p:to>
+                                        <p:strVal val="visible"/>
+                                      </p:to>
+                                    </p:set>
+                                  </p:childTnLst>
+                                </p:cTn>
+                              </p:par>
                             </p:childTnLst>
                           </p:cTn>
                         </p:par>
@@ -2761,26 +2924,26 @@
                     </p:cTn>
                   </p:par>
                   <p:par>
-                    <p:cTn id="13" fill="hold">
+                    <p:cTn id="17" fill="hold">
                       <p:stCondLst>
                         <p:cond delay="indefinite"/>
                       </p:stCondLst>
                       <p:childTnLst>
                         <p:par>
-                          <p:cTn id="14" fill="hold">
+                          <p:cTn id="18" fill="hold">
                             <p:stCondLst>
                               <p:cond delay="0"/>
                             </p:stCondLst>
                             <p:childTnLst>
                               <p:par>
-                                <p:cTn id="15" presetID="2" presetClass="entr" presetSubtype="4" fill="hold" nodeType="clickEffect">
+                                <p:cTn id="19" presetID="2" presetClass="entr" presetSubtype="4" fill="hold" nodeType="clickEffect">
                                   <p:stCondLst>
                                     <p:cond delay="0"/>
                                   </p:stCondLst>
                                   <p:childTnLst>
                                     <p:set>
                                       <p:cBhvr>
-                                        <p:cTn id="16" dur="1" fill="hold">
+                                        <p:cTn id="20" dur="1" fill="hold">
                                           <p:stCondLst>
                                             <p:cond delay="0"/>
                                           </p:stCondLst>
@@ -2798,7 +2961,7 @@
                                     </p:set>
                                     <p:anim calcmode="lin" valueType="num">
                                       <p:cBhvr additive="base">
-                                        <p:cTn id="17" dur="500" fill="hold"/>
+                                        <p:cTn id="21" dur="500" fill="hold"/>
                                         <p:tgtEl>
                                           <p:spTgt spid="10"/>
                                         </p:tgtEl>
@@ -2821,7 +2984,7 @@
                                     </p:anim>
                                     <p:anim calcmode="lin" valueType="num">
                                       <p:cBhvr additive="base">
-                                        <p:cTn id="18" dur="500" fill="hold"/>
+                                        <p:cTn id="22" dur="500" fill="hold"/>
                                         <p:tgtEl>
                                           <p:spTgt spid="10"/>
                                         </p:tgtEl>
@@ -2921,12 +3084,47 @@
           </a:p>
         </p:txBody>
       </p:sp>
+      <p:sp>
+        <p:nvSpPr>
+          <p:cNvPr id="4" name="TextBox 3">
+            <a:extLst>
+              <a:ext uri="{FF2B5EF4-FFF2-40B4-BE49-F238E27FC236}">
+                <a16:creationId xmlns:a16="http://schemas.microsoft.com/office/drawing/2014/main" id="{FC5D6E18-B2CF-40F5-A36F-1AEE3AA33F0B}"/>
+              </a:ext>
+            </a:extLst>
+          </p:cNvPr>
+          <p:cNvSpPr txBox="1"/>
+          <p:nvPr/>
+        </p:nvSpPr>
+        <p:spPr>
+          <a:xfrm>
+            <a:off x="1643209" y="2154769"/>
+            <a:ext cx="3668358" cy="1477328"/>
+          </a:xfrm>
+          <a:prstGeom prst="rect">
+            <a:avLst/>
+          </a:prstGeom>
+          <a:noFill/>
+        </p:spPr>
+        <p:txBody>
+          <a:bodyPr wrap="square" rtlCol="0">
+            <a:spAutoFit/>
+          </a:bodyPr>
+          <a:lstStyle/>
+          <a:p>
+            <a:r>
+              <a:rPr lang="en-US" dirty="0"/>
+              <a:t>You don’t need to implement any of these on the right-hand side or bottom side. Just read through them and understand the input and output of these functions. </a:t>
+            </a:r>
+          </a:p>
+        </p:txBody>
+      </p:sp>
       <p:pic>
         <p:nvPicPr>
-          <p:cNvPr id="6" name="Picture 5">
+          <p:cNvPr id="3" name="Picture 2">
             <a:extLst>
               <a:ext uri="{FF2B5EF4-FFF2-40B4-BE49-F238E27FC236}">
-                <a16:creationId xmlns:a16="http://schemas.microsoft.com/office/drawing/2014/main" id="{CEF4037E-C1C7-41B8-B7C4-FA4CB5680A93}"/>
+                <a16:creationId xmlns:a16="http://schemas.microsoft.com/office/drawing/2014/main" id="{2BB6C7AB-D172-4D74-80D8-FE0504920889}"/>
               </a:ext>
             </a:extLst>
           </p:cNvPr>
@@ -2943,8 +3141,38 @@
         </p:blipFill>
         <p:spPr>
           <a:xfrm>
-            <a:off x="6660135" y="0"/>
-            <a:ext cx="5488834" cy="6858000"/>
+            <a:off x="95250" y="3961468"/>
+            <a:ext cx="6000750" cy="1141472"/>
+          </a:xfrm>
+          <a:prstGeom prst="rect">
+            <a:avLst/>
+          </a:prstGeom>
+        </p:spPr>
+      </p:pic>
+      <p:pic>
+        <p:nvPicPr>
+          <p:cNvPr id="5" name="Picture 4">
+            <a:extLst>
+              <a:ext uri="{FF2B5EF4-FFF2-40B4-BE49-F238E27FC236}">
+                <a16:creationId xmlns:a16="http://schemas.microsoft.com/office/drawing/2014/main" id="{742C907B-1E73-4743-B7AE-42A42AF28EA3}"/>
+              </a:ext>
+            </a:extLst>
+          </p:cNvPr>
+          <p:cNvPicPr>
+            <a:picLocks noChangeAspect="1"/>
+          </p:cNvPicPr>
+          <p:nvPr/>
+        </p:nvPicPr>
+        <p:blipFill>
+          <a:blip r:embed="rId3"/>
+          <a:stretch>
+            <a:fillRect/>
+          </a:stretch>
+        </p:blipFill>
+        <p:spPr>
+          <a:xfrm>
+            <a:off x="6165802" y="698500"/>
+            <a:ext cx="6026198" cy="6159500"/>
           </a:xfrm>
           <a:prstGeom prst="rect">
             <a:avLst/>
